--- a/FIGS/fig-lego-dag.pptx
+++ b/FIGS/fig-lego-dag.pptx
@@ -251,7 +251,7 @@
           <a:p>
             <a:fld id="{846CE7D5-CF57-46EF-B807-FDD0502418D4}" type="datetimeFigureOut">
               <a:rPr lang="en-US" smtClean="0"/>
-              <a:t>5/7/2019</a:t>
+              <a:t>9/16/2019</a:t>
             </a:fld>
             <a:endParaRPr lang="en-US"/>
           </a:p>
@@ -421,7 +421,7 @@
           <a:p>
             <a:fld id="{846CE7D5-CF57-46EF-B807-FDD0502418D4}" type="datetimeFigureOut">
               <a:rPr lang="en-US" smtClean="0"/>
-              <a:t>5/7/2019</a:t>
+              <a:t>9/16/2019</a:t>
             </a:fld>
             <a:endParaRPr lang="en-US"/>
           </a:p>
@@ -601,7 +601,7 @@
           <a:p>
             <a:fld id="{846CE7D5-CF57-46EF-B807-FDD0502418D4}" type="datetimeFigureOut">
               <a:rPr lang="en-US" smtClean="0"/>
-              <a:t>5/7/2019</a:t>
+              <a:t>9/16/2019</a:t>
             </a:fld>
             <a:endParaRPr lang="en-US"/>
           </a:p>
@@ -771,7 +771,7 @@
           <a:p>
             <a:fld id="{846CE7D5-CF57-46EF-B807-FDD0502418D4}" type="datetimeFigureOut">
               <a:rPr lang="en-US" smtClean="0"/>
-              <a:t>5/7/2019</a:t>
+              <a:t>9/16/2019</a:t>
             </a:fld>
             <a:endParaRPr lang="en-US"/>
           </a:p>
@@ -1017,7 +1017,7 @@
           <a:p>
             <a:fld id="{846CE7D5-CF57-46EF-B807-FDD0502418D4}" type="datetimeFigureOut">
               <a:rPr lang="en-US" smtClean="0"/>
-              <a:t>5/7/2019</a:t>
+              <a:t>9/16/2019</a:t>
             </a:fld>
             <a:endParaRPr lang="en-US"/>
           </a:p>
@@ -1249,7 +1249,7 @@
           <a:p>
             <a:fld id="{846CE7D5-CF57-46EF-B807-FDD0502418D4}" type="datetimeFigureOut">
               <a:rPr lang="en-US" smtClean="0"/>
-              <a:t>5/7/2019</a:t>
+              <a:t>9/16/2019</a:t>
             </a:fld>
             <a:endParaRPr lang="en-US"/>
           </a:p>
@@ -1616,7 +1616,7 @@
           <a:p>
             <a:fld id="{846CE7D5-CF57-46EF-B807-FDD0502418D4}" type="datetimeFigureOut">
               <a:rPr lang="en-US" smtClean="0"/>
-              <a:t>5/7/2019</a:t>
+              <a:t>9/16/2019</a:t>
             </a:fld>
             <a:endParaRPr lang="en-US"/>
           </a:p>
@@ -1734,7 +1734,7 @@
           <a:p>
             <a:fld id="{846CE7D5-CF57-46EF-B807-FDD0502418D4}" type="datetimeFigureOut">
               <a:rPr lang="en-US" smtClean="0"/>
-              <a:t>5/7/2019</a:t>
+              <a:t>9/16/2019</a:t>
             </a:fld>
             <a:endParaRPr lang="en-US"/>
           </a:p>
@@ -1829,7 +1829,7 @@
           <a:p>
             <a:fld id="{846CE7D5-CF57-46EF-B807-FDD0502418D4}" type="datetimeFigureOut">
               <a:rPr lang="en-US" smtClean="0"/>
-              <a:t>5/7/2019</a:t>
+              <a:t>9/16/2019</a:t>
             </a:fld>
             <a:endParaRPr lang="en-US"/>
           </a:p>
@@ -2106,7 +2106,7 @@
           <a:p>
             <a:fld id="{846CE7D5-CF57-46EF-B807-FDD0502418D4}" type="datetimeFigureOut">
               <a:rPr lang="en-US" smtClean="0"/>
-              <a:t>5/7/2019</a:t>
+              <a:t>9/16/2019</a:t>
             </a:fld>
             <a:endParaRPr lang="en-US"/>
           </a:p>
@@ -2363,7 +2363,7 @@
           <a:p>
             <a:fld id="{846CE7D5-CF57-46EF-B807-FDD0502418D4}" type="datetimeFigureOut">
               <a:rPr lang="en-US" smtClean="0"/>
-              <a:t>5/7/2019</a:t>
+              <a:t>9/16/2019</a:t>
             </a:fld>
             <a:endParaRPr lang="en-US"/>
           </a:p>
@@ -2576,7 +2576,7 @@
           <a:p>
             <a:fld id="{846CE7D5-CF57-46EF-B807-FDD0502418D4}" type="datetimeFigureOut">
               <a:rPr lang="en-US" smtClean="0"/>
-              <a:t>5/7/2019</a:t>
+              <a:t>9/16/2019</a:t>
             </a:fld>
             <a:endParaRPr lang="en-US"/>
           </a:p>
@@ -3172,11 +3172,18 @@
           <a:p>
             <a:pPr algn="ctr"/>
             <a:r>
+              <a:rPr lang="en-US" sz="2000">
+                <a:latin typeface="Times New Roman"/>
+                <a:cs typeface="Times New Roman"/>
+              </a:rPr>
+              <a:t>Identify </a:t>
+            </a:r>
+            <a:r>
               <a:rPr lang="en-US" sz="2000" dirty="0">
                 <a:latin typeface="Times New Roman"/>
                 <a:cs typeface="Times New Roman"/>
               </a:rPr>
-              <a:t>Identify Lego Colors</a:t>
+              <a:t>Colors</a:t>
             </a:r>
           </a:p>
         </p:txBody>
@@ -3484,174 +3491,12 @@
           </a:fontRef>
         </p:style>
       </p:cxnSp>
-      <p:cxnSp>
-        <p:nvCxnSpPr>
-          <p:cNvPr id="15" name="Straight Arrow Connector 14">
+      <p:sp>
+        <p:nvSpPr>
+          <p:cNvPr id="20" name="Arrow: Right 19">
             <a:extLst>
               <a:ext uri="{FF2B5EF4-FFF2-40B4-BE49-F238E27FC236}">
-                <a16:creationId xmlns:a16="http://schemas.microsoft.com/office/drawing/2014/main" id="{430D5A8C-7645-4BAB-8E8F-FCD46D9A7D3D}"/>
-              </a:ext>
-            </a:extLst>
-          </p:cNvPr>
-          <p:cNvCxnSpPr/>
-          <p:nvPr/>
-        </p:nvCxnSpPr>
-        <p:spPr>
-          <a:xfrm flipH="1">
-            <a:off x="2022239" y="51388"/>
-            <a:ext cx="1" cy="987777"/>
-          </a:xfrm>
-          <a:prstGeom prst="straightConnector1">
-            <a:avLst/>
-          </a:prstGeom>
-          <a:ln>
-            <a:prstDash val="sysDot"/>
-          </a:ln>
-        </p:spPr>
-        <p:style>
-          <a:lnRef idx="3">
-            <a:schemeClr val="dk1"/>
-          </a:lnRef>
-          <a:fillRef idx="0">
-            <a:schemeClr val="dk1"/>
-          </a:fillRef>
-          <a:effectRef idx="2">
-            <a:schemeClr val="dk1"/>
-          </a:effectRef>
-          <a:fontRef idx="minor">
-            <a:schemeClr val="tx1"/>
-          </a:fontRef>
-        </p:style>
-      </p:cxnSp>
-      <p:cxnSp>
-        <p:nvCxnSpPr>
-          <p:cNvPr id="16" name="Straight Arrow Connector 15">
-            <a:extLst>
-              <a:ext uri="{FF2B5EF4-FFF2-40B4-BE49-F238E27FC236}">
-                <a16:creationId xmlns:a16="http://schemas.microsoft.com/office/drawing/2014/main" id="{CFBC8424-583C-41B1-93D9-C96E9B4D7293}"/>
-              </a:ext>
-            </a:extLst>
-          </p:cNvPr>
-          <p:cNvCxnSpPr>
-            <a:cxnSpLocks/>
-          </p:cNvCxnSpPr>
-          <p:nvPr/>
-        </p:nvCxnSpPr>
-        <p:spPr>
-          <a:xfrm flipH="1">
-            <a:off x="3800239" y="60795"/>
-            <a:ext cx="1" cy="987777"/>
-          </a:xfrm>
-          <a:prstGeom prst="straightConnector1">
-            <a:avLst/>
-          </a:prstGeom>
-          <a:ln>
-            <a:prstDash val="sysDot"/>
-          </a:ln>
-        </p:spPr>
-        <p:style>
-          <a:lnRef idx="3">
-            <a:schemeClr val="dk1"/>
-          </a:lnRef>
-          <a:fillRef idx="0">
-            <a:schemeClr val="dk1"/>
-          </a:fillRef>
-          <a:effectRef idx="2">
-            <a:schemeClr val="dk1"/>
-          </a:effectRef>
-          <a:fontRef idx="minor">
-            <a:schemeClr val="tx1"/>
-          </a:fontRef>
-        </p:style>
-      </p:cxnSp>
-      <p:cxnSp>
-        <p:nvCxnSpPr>
-          <p:cNvPr id="17" name="Straight Arrow Connector 16">
-            <a:extLst>
-              <a:ext uri="{FF2B5EF4-FFF2-40B4-BE49-F238E27FC236}">
-                <a16:creationId xmlns:a16="http://schemas.microsoft.com/office/drawing/2014/main" id="{84FF3A0E-DF05-42A6-ABBA-08190E74358B}"/>
-              </a:ext>
-            </a:extLst>
-          </p:cNvPr>
-          <p:cNvCxnSpPr>
-            <a:cxnSpLocks/>
-          </p:cNvCxnSpPr>
-          <p:nvPr/>
-        </p:nvCxnSpPr>
-        <p:spPr>
-          <a:xfrm flipH="1">
-            <a:off x="5898091" y="60795"/>
-            <a:ext cx="1" cy="987777"/>
-          </a:xfrm>
-          <a:prstGeom prst="straightConnector1">
-            <a:avLst/>
-          </a:prstGeom>
-          <a:ln>
-            <a:prstDash val="sysDot"/>
-          </a:ln>
-        </p:spPr>
-        <p:style>
-          <a:lnRef idx="3">
-            <a:schemeClr val="dk1"/>
-          </a:lnRef>
-          <a:fillRef idx="0">
-            <a:schemeClr val="dk1"/>
-          </a:fillRef>
-          <a:effectRef idx="2">
-            <a:schemeClr val="dk1"/>
-          </a:effectRef>
-          <a:fontRef idx="minor">
-            <a:schemeClr val="tx1"/>
-          </a:fontRef>
-        </p:style>
-      </p:cxnSp>
-      <p:cxnSp>
-        <p:nvCxnSpPr>
-          <p:cNvPr id="18" name="Straight Arrow Connector 17">
-            <a:extLst>
-              <a:ext uri="{FF2B5EF4-FFF2-40B4-BE49-F238E27FC236}">
-                <a16:creationId xmlns:a16="http://schemas.microsoft.com/office/drawing/2014/main" id="{7CAB1440-8A45-4EC6-B691-E23527DD447D}"/>
-              </a:ext>
-            </a:extLst>
-          </p:cNvPr>
-          <p:cNvCxnSpPr>
-            <a:cxnSpLocks/>
-          </p:cNvCxnSpPr>
-          <p:nvPr/>
-        </p:nvCxnSpPr>
-        <p:spPr>
-          <a:xfrm flipH="1">
-            <a:off x="7911275" y="41980"/>
-            <a:ext cx="1" cy="987777"/>
-          </a:xfrm>
-          <a:prstGeom prst="straightConnector1">
-            <a:avLst/>
-          </a:prstGeom>
-          <a:ln>
-            <a:prstDash val="sysDot"/>
-          </a:ln>
-        </p:spPr>
-        <p:style>
-          <a:lnRef idx="3">
-            <a:schemeClr val="dk1"/>
-          </a:lnRef>
-          <a:fillRef idx="0">
-            <a:schemeClr val="dk1"/>
-          </a:fillRef>
-          <a:effectRef idx="2">
-            <a:schemeClr val="dk1"/>
-          </a:effectRef>
-          <a:fontRef idx="minor">
-            <a:schemeClr val="tx1"/>
-          </a:fontRef>
-        </p:style>
-      </p:cxnSp>
-      <p:sp>
-        <p:nvSpPr>
-          <p:cNvPr id="19" name="Arrow: Right 18">
-            <a:extLst>
-              <a:ext uri="{FF2B5EF4-FFF2-40B4-BE49-F238E27FC236}">
-                <a16:creationId xmlns:a16="http://schemas.microsoft.com/office/drawing/2014/main" id="{18006CDE-9A23-4848-B389-3946043CF4F7}"/>
+                <a16:creationId xmlns:a16="http://schemas.microsoft.com/office/drawing/2014/main" id="{44D97CD2-0FEE-4E12-81F9-D691224DACD6}"/>
               </a:ext>
             </a:extLst>
           </p:cNvPr>
@@ -3660,7 +3505,7 @@
         </p:nvSpPr>
         <p:spPr>
           <a:xfrm>
-            <a:off x="7697002" y="290965"/>
+            <a:off x="189893" y="290965"/>
             <a:ext cx="517408" cy="272815"/>
           </a:xfrm>
           <a:prstGeom prst="rightArrow">
@@ -3695,94 +3540,6 @@
       </p:sp>
       <p:sp>
         <p:nvSpPr>
-          <p:cNvPr id="20" name="Arrow: Right 19">
-            <a:extLst>
-              <a:ext uri="{FF2B5EF4-FFF2-40B4-BE49-F238E27FC236}">
-                <a16:creationId xmlns:a16="http://schemas.microsoft.com/office/drawing/2014/main" id="{44D97CD2-0FEE-4E12-81F9-D691224DACD6}"/>
-              </a:ext>
-            </a:extLst>
-          </p:cNvPr>
-          <p:cNvSpPr/>
-          <p:nvPr/>
-        </p:nvSpPr>
-        <p:spPr>
-          <a:xfrm>
-            <a:off x="189893" y="290965"/>
-            <a:ext cx="517408" cy="272815"/>
-          </a:xfrm>
-          <a:prstGeom prst="rightArrow">
-            <a:avLst/>
-          </a:prstGeom>
-        </p:spPr>
-        <p:style>
-          <a:lnRef idx="2">
-            <a:schemeClr val="dk1"/>
-          </a:lnRef>
-          <a:fillRef idx="1">
-            <a:schemeClr val="lt1"/>
-          </a:fillRef>
-          <a:effectRef idx="0">
-            <a:schemeClr val="dk1"/>
-          </a:effectRef>
-          <a:fontRef idx="minor">
-            <a:schemeClr val="dk1"/>
-          </a:fontRef>
-        </p:style>
-        <p:txBody>
-          <a:bodyPr rtlCol="0" anchor="ctr"/>
-          <a:lstStyle/>
-          <a:p>
-            <a:pPr algn="ctr"/>
-            <a:endParaRPr lang="en-US" sz="2000">
-              <a:latin typeface="Times New Roman"/>
-              <a:cs typeface="Times New Roman"/>
-            </a:endParaRPr>
-          </a:p>
-        </p:txBody>
-      </p:sp>
-      <p:cxnSp>
-        <p:nvCxnSpPr>
-          <p:cNvPr id="21" name="Straight Arrow Connector 20">
-            <a:extLst>
-              <a:ext uri="{FF2B5EF4-FFF2-40B4-BE49-F238E27FC236}">
-                <a16:creationId xmlns:a16="http://schemas.microsoft.com/office/drawing/2014/main" id="{100E3303-3DCB-44A7-A763-481067FC12C1}"/>
-              </a:ext>
-            </a:extLst>
-          </p:cNvPr>
-          <p:cNvCxnSpPr>
-            <a:cxnSpLocks/>
-          </p:cNvCxnSpPr>
-          <p:nvPr/>
-        </p:nvCxnSpPr>
-        <p:spPr>
-          <a:xfrm flipH="1">
-            <a:off x="404165" y="41980"/>
-            <a:ext cx="1" cy="987777"/>
-          </a:xfrm>
-          <a:prstGeom prst="straightConnector1">
-            <a:avLst/>
-          </a:prstGeom>
-          <a:ln>
-            <a:prstDash val="sysDot"/>
-          </a:ln>
-        </p:spPr>
-        <p:style>
-          <a:lnRef idx="3">
-            <a:schemeClr val="dk1"/>
-          </a:lnRef>
-          <a:fillRef idx="0">
-            <a:schemeClr val="dk1"/>
-          </a:fillRef>
-          <a:effectRef idx="2">
-            <a:schemeClr val="dk1"/>
-          </a:effectRef>
-          <a:fontRef idx="minor">
-            <a:schemeClr val="tx1"/>
-          </a:fontRef>
-        </p:style>
-      </p:cxnSp>
-      <p:sp>
-        <p:nvSpPr>
           <p:cNvPr id="22" name="TextBox 21">
             <a:extLst>
               <a:ext uri="{FF2B5EF4-FFF2-40B4-BE49-F238E27FC236}">
@@ -3795,8 +3552,8 @@
         </p:nvSpPr>
         <p:spPr>
           <a:xfrm>
-            <a:off x="-75728" y="1024936"/>
-            <a:ext cx="1219200" cy="369332"/>
+            <a:off x="803390" y="1066040"/>
+            <a:ext cx="974607" cy="369332"/>
           </a:xfrm>
           <a:prstGeom prst="rect">
             <a:avLst/>
@@ -3817,17 +3574,59 @@
                 <a:latin typeface="Times New Roman"/>
                 <a:cs typeface="Times New Roman"/>
               </a:rPr>
-              <a:t>Partition A</a:t>
-            </a:r>
-          </a:p>
-        </p:txBody>
-      </p:sp>
-      <p:sp>
-        <p:nvSpPr>
-          <p:cNvPr id="23" name="TextBox 22">
+              <a:t>Output</a:t>
+            </a:r>
+          </a:p>
+        </p:txBody>
+      </p:sp>
+      <p:cxnSp>
+        <p:nvCxnSpPr>
+          <p:cNvPr id="27" name="Straight Arrow Connector 26">
             <a:extLst>
               <a:ext uri="{FF2B5EF4-FFF2-40B4-BE49-F238E27FC236}">
-                <a16:creationId xmlns:a16="http://schemas.microsoft.com/office/drawing/2014/main" id="{712C4B64-2969-4B27-BD93-265DBDC3C1B5}"/>
+                <a16:creationId xmlns:a16="http://schemas.microsoft.com/office/drawing/2014/main" id="{8469BA3F-50F7-435D-A6CD-7A3B1E2D4B42}"/>
+              </a:ext>
+            </a:extLst>
+          </p:cNvPr>
+          <p:cNvCxnSpPr>
+            <a:cxnSpLocks/>
+            <a:stCxn id="7" idx="3"/>
+          </p:cNvCxnSpPr>
+          <p:nvPr/>
+        </p:nvCxnSpPr>
+        <p:spPr>
+          <a:xfrm>
+            <a:off x="7651981" y="427097"/>
+            <a:ext cx="602074" cy="0"/>
+          </a:xfrm>
+          <a:prstGeom prst="straightConnector1">
+            <a:avLst/>
+          </a:prstGeom>
+          <a:ln>
+            <a:tailEnd type="triangle"/>
+          </a:ln>
+        </p:spPr>
+        <p:style>
+          <a:lnRef idx="1">
+            <a:schemeClr val="dk1"/>
+          </a:lnRef>
+          <a:fillRef idx="0">
+            <a:schemeClr val="dk1"/>
+          </a:fillRef>
+          <a:effectRef idx="0">
+            <a:schemeClr val="dk1"/>
+          </a:effectRef>
+          <a:fontRef idx="minor">
+            <a:schemeClr val="tx1"/>
+          </a:fontRef>
+        </p:style>
+      </p:cxnSp>
+      <p:sp>
+        <p:nvSpPr>
+          <p:cNvPr id="28" name="TextBox 27">
+            <a:extLst>
+              <a:ext uri="{FF2B5EF4-FFF2-40B4-BE49-F238E27FC236}">
+                <a16:creationId xmlns:a16="http://schemas.microsoft.com/office/drawing/2014/main" id="{CEB9C894-B756-40CC-BAD9-A6036A44DDB4}"/>
               </a:ext>
             </a:extLst>
           </p:cNvPr>
@@ -3836,8 +3635,8 @@
         </p:nvSpPr>
         <p:spPr>
           <a:xfrm>
-            <a:off x="1871605" y="1053158"/>
-            <a:ext cx="297275" cy="369332"/>
+            <a:off x="2585154" y="1066909"/>
+            <a:ext cx="974607" cy="369332"/>
           </a:xfrm>
           <a:prstGeom prst="rect">
             <a:avLst/>
@@ -3858,17 +3657,17 @@
                 <a:latin typeface="Times New Roman"/>
                 <a:cs typeface="Times New Roman"/>
               </a:rPr>
-              <a:t>B</a:t>
-            </a:r>
-          </a:p>
-        </p:txBody>
-      </p:sp>
-      <p:sp>
-        <p:nvSpPr>
-          <p:cNvPr id="24" name="TextBox 23">
+              <a:t>Output</a:t>
+            </a:r>
+          </a:p>
+        </p:txBody>
+      </p:sp>
+      <p:sp>
+        <p:nvSpPr>
+          <p:cNvPr id="29" name="TextBox 28">
             <a:extLst>
               <a:ext uri="{FF2B5EF4-FFF2-40B4-BE49-F238E27FC236}">
-                <a16:creationId xmlns:a16="http://schemas.microsoft.com/office/drawing/2014/main" id="{FA31D9A1-B040-4DF9-BEEF-C9B1F32AAE48}"/>
+                <a16:creationId xmlns:a16="http://schemas.microsoft.com/office/drawing/2014/main" id="{23088ACF-0C97-4AAD-BABC-027A79B9F07B}"/>
               </a:ext>
             </a:extLst>
           </p:cNvPr>
@@ -3877,8 +3676,8 @@
         </p:nvSpPr>
         <p:spPr>
           <a:xfrm>
-            <a:off x="3621383" y="1053158"/>
-            <a:ext cx="363126" cy="369332"/>
+            <a:off x="4445705" y="1033774"/>
+            <a:ext cx="974607" cy="369332"/>
           </a:xfrm>
           <a:prstGeom prst="rect">
             <a:avLst/>
@@ -3899,17 +3698,17 @@
                 <a:latin typeface="Times New Roman"/>
                 <a:cs typeface="Times New Roman"/>
               </a:rPr>
-              <a:t>C</a:t>
-            </a:r>
-          </a:p>
-        </p:txBody>
-      </p:sp>
-      <p:sp>
-        <p:nvSpPr>
-          <p:cNvPr id="25" name="TextBox 24">
+              <a:t>Output</a:t>
+            </a:r>
+          </a:p>
+        </p:txBody>
+      </p:sp>
+      <p:sp>
+        <p:nvSpPr>
+          <p:cNvPr id="30" name="TextBox 29">
             <a:extLst>
               <a:ext uri="{FF2B5EF4-FFF2-40B4-BE49-F238E27FC236}">
-                <a16:creationId xmlns:a16="http://schemas.microsoft.com/office/drawing/2014/main" id="{79228768-5B2A-45B3-AC7A-998F2080C577}"/>
+                <a16:creationId xmlns:a16="http://schemas.microsoft.com/office/drawing/2014/main" id="{684026E6-801D-48E1-AA98-81C6CE2AF6A1}"/>
               </a:ext>
             </a:extLst>
           </p:cNvPr>
@@ -3918,8 +3717,8 @@
         </p:nvSpPr>
         <p:spPr>
           <a:xfrm>
-            <a:off x="5709827" y="1024936"/>
-            <a:ext cx="363126" cy="369332"/>
+            <a:off x="6349763" y="1041321"/>
+            <a:ext cx="974607" cy="369332"/>
           </a:xfrm>
           <a:prstGeom prst="rect">
             <a:avLst/>
@@ -3940,17 +3739,17 @@
                 <a:latin typeface="Times New Roman"/>
                 <a:cs typeface="Times New Roman"/>
               </a:rPr>
-              <a:t>D</a:t>
-            </a:r>
-          </a:p>
-        </p:txBody>
-      </p:sp>
-      <p:sp>
-        <p:nvSpPr>
-          <p:cNvPr id="26" name="TextBox 25">
+              <a:t>Output</a:t>
+            </a:r>
+          </a:p>
+        </p:txBody>
+      </p:sp>
+      <p:sp>
+        <p:nvSpPr>
+          <p:cNvPr id="31" name="TextBox 30">
             <a:extLst>
               <a:ext uri="{FF2B5EF4-FFF2-40B4-BE49-F238E27FC236}">
-                <a16:creationId xmlns:a16="http://schemas.microsoft.com/office/drawing/2014/main" id="{4001009D-E01B-455D-BFFA-1F46CE21A979}"/>
+                <a16:creationId xmlns:a16="http://schemas.microsoft.com/office/drawing/2014/main" id="{9D387F0F-7E68-427F-92BC-4E1846951BAC}"/>
               </a:ext>
             </a:extLst>
           </p:cNvPr>
@@ -3959,8 +3758,8 @@
         </p:nvSpPr>
         <p:spPr>
           <a:xfrm>
-            <a:off x="7770049" y="1024936"/>
-            <a:ext cx="363126" cy="369332"/>
+            <a:off x="7732060" y="428064"/>
+            <a:ext cx="974607" cy="369332"/>
           </a:xfrm>
           <a:prstGeom prst="rect">
             <a:avLst/>
@@ -3981,7 +3780,7 @@
                 <a:latin typeface="Times New Roman"/>
                 <a:cs typeface="Times New Roman"/>
               </a:rPr>
-              <a:t>E</a:t>
+              <a:t>Output</a:t>
             </a:r>
           </a:p>
         </p:txBody>
